--- a/results/deliverable_plots/manuscript_figs.pptx
+++ b/results/deliverable_plots/manuscript_figs.pptx
@@ -5574,14 +5574,20 @@
       </p:grpSpPr>
       <p:pic>
         <p:nvPicPr>
-          <p:cNvPr id="54" name="Google Shape;54;p13" title="historical_pannel.png"/>
-          <p:cNvPicPr preferRelativeResize="0"/>
+          <p:cNvPr id="8" name="Picture 7" descr="A graph of a graph of a graph&#10;&#10;AI-generated content may be incorrect.">
+            <a:extLst>
+              <a:ext uri="{FF2B5EF4-FFF2-40B4-BE49-F238E27FC236}">
+                <a16:creationId xmlns:a16="http://schemas.microsoft.com/office/drawing/2014/main" id="{2714794A-C8EC-ED05-D3AE-AA211BEC0715}"/>
+              </a:ext>
+            </a:extLst>
+          </p:cNvPr>
+          <p:cNvPicPr>
+            <a:picLocks noChangeAspect="1"/>
+          </p:cNvPicPr>
           <p:nvPr/>
         </p:nvPicPr>
         <p:blipFill>
-          <a:blip r:embed="rId3">
-            <a:alphaModFix/>
-          </a:blip>
+          <a:blip r:embed="rId3"/>
           <a:stretch>
             <a:fillRect/>
           </a:stretch>
@@ -5589,15 +5595,11 @@
         <p:spPr>
           <a:xfrm>
             <a:off x="152400" y="152400"/>
-            <a:ext cx="7259822" cy="4838700"/>
+            <a:ext cx="7259822" cy="4839881"/>
           </a:xfrm>
           <a:prstGeom prst="rect">
             <a:avLst/>
           </a:prstGeom>
-          <a:noFill/>
-          <a:ln>
-            <a:noFill/>
-          </a:ln>
         </p:spPr>
       </p:pic>
       <p:sp>
@@ -5681,7 +5683,7 @@
           <p:spPr>
             <a:xfrm>
               <a:off x="7923800" y="954313"/>
-              <a:ext cx="972600" cy="323135"/>
+              <a:ext cx="972600" cy="338524"/>
             </a:xfrm>
             <a:prstGeom prst="rect">
               <a:avLst/>
@@ -5709,7 +5711,7 @@
                 <a:buNone/>
               </a:pPr>
               <a:r>
-                <a:rPr lang="en" sz="900" dirty="0">
+                <a:rPr lang="en" sz="1000" dirty="0">
                   <a:solidFill>
                     <a:schemeClr val="dk1"/>
                   </a:solidFill>
@@ -5720,7 +5722,7 @@
                 </a:rPr>
                 <a:t>Observations</a:t>
               </a:r>
-              <a:endParaRPr sz="900" dirty="0">
+              <a:endParaRPr sz="1000" dirty="0">
                 <a:solidFill>
                   <a:schemeClr val="dk1"/>
                 </a:solidFill>
@@ -5811,18 +5813,6 @@
                 <a:buNone/>
               </a:pPr>
               <a:r>
-                <a:rPr lang="en" sz="700" dirty="0" err="1">
-                  <a:solidFill>
-                    <a:schemeClr val="dk1"/>
-                  </a:solidFill>
-                  <a:latin typeface="Helvetica" pitchFamily="2" charset="0"/>
-                  <a:ea typeface="Helvetica Neue"/>
-                  <a:cs typeface="Helvetica Neue"/>
-                  <a:sym typeface="Helvetica Neue"/>
-                </a:rPr>
-                <a:t>Meinshausen</a:t>
-              </a:r>
-              <a:r>
                 <a:rPr lang="en" sz="700" dirty="0">
                   <a:solidFill>
                     <a:schemeClr val="dk1"/>
@@ -5832,7 +5822,7 @@
                   <a:cs typeface="Helvetica Neue"/>
                   <a:sym typeface="Helvetica Neue"/>
                 </a:rPr>
-                <a:t> et al. 2017</a:t>
+                <a:t>Meinshausen et al. 2017</a:t>
               </a:r>
               <a:endParaRPr sz="700" dirty="0">
                 <a:solidFill>
@@ -5925,18 +5915,6 @@
                 <a:buNone/>
               </a:pPr>
               <a:r>
-                <a:rPr lang="en" sz="700" dirty="0" err="1">
-                  <a:solidFill>
-                    <a:schemeClr val="dk1"/>
-                  </a:solidFill>
-                  <a:latin typeface="Helvetica" pitchFamily="2" charset="0"/>
-                  <a:ea typeface="Helvetica Neue"/>
-                  <a:cs typeface="Helvetica Neue"/>
-                  <a:sym typeface="Helvetica Neue"/>
-                </a:rPr>
-                <a:t>Kuhlbrodt</a:t>
-              </a:r>
-              <a:r>
                 <a:rPr lang="en" sz="700" dirty="0">
                   <a:solidFill>
                     <a:schemeClr val="dk1"/>
@@ -5946,7 +5924,7 @@
                   <a:cs typeface="Helvetica Neue"/>
                   <a:sym typeface="Helvetica Neue"/>
                 </a:rPr>
-                <a:t> et al. 2023</a:t>
+                <a:t>Kuhlbrodt et al. 2023</a:t>
               </a:r>
               <a:endParaRPr sz="700" dirty="0">
                 <a:solidFill>
@@ -6090,39 +6068,6 @@
           </p:spPr>
         </p:pic>
       </p:grpSp>
-      <p:pic>
-        <p:nvPicPr>
-          <p:cNvPr id="2" name="Google Shape;58;p13" title="legend.png">
-            <a:extLst>
-              <a:ext uri="{FF2B5EF4-FFF2-40B4-BE49-F238E27FC236}">
-                <a16:creationId xmlns:a16="http://schemas.microsoft.com/office/drawing/2014/main" id="{9D50728E-E2CB-950F-CF94-5572D3DDA220}"/>
-              </a:ext>
-            </a:extLst>
-          </p:cNvPr>
-          <p:cNvPicPr preferRelativeResize="0"/>
-          <p:nvPr/>
-        </p:nvPicPr>
-        <p:blipFill rotWithShape="1">
-          <a:blip r:embed="rId4">
-            <a:alphaModFix/>
-          </a:blip>
-          <a:srcRect l="41550" t="39245" r="55339" b="42229"/>
-          <a:stretch/>
-        </p:blipFill>
-        <p:spPr>
-          <a:xfrm>
-            <a:off x="7571250" y="2437902"/>
-            <a:ext cx="220679" cy="876193"/>
-          </a:xfrm>
-          <a:prstGeom prst="rect">
-            <a:avLst/>
-          </a:prstGeom>
-          <a:noFill/>
-          <a:ln>
-            <a:noFill/>
-          </a:ln>
-        </p:spPr>
-      </p:pic>
       <p:sp>
         <p:nvSpPr>
           <p:cNvPr id="3" name="TextBox 2">
@@ -6138,7 +6083,7 @@
         <p:spPr>
           <a:xfrm>
             <a:off x="7762450" y="2437902"/>
-            <a:ext cx="883575" cy="923330"/>
+            <a:ext cx="574196" cy="1061829"/>
           </a:xfrm>
           <a:prstGeom prst="rect">
             <a:avLst/>
@@ -6154,72 +6099,133 @@
           <a:lstStyle/>
           <a:p>
             <a:r>
-              <a:rPr lang="en-US" sz="900" dirty="0">
+              <a:rPr lang="en-US" sz="1050" dirty="0">
                 <a:latin typeface="Helvetica" pitchFamily="2" charset="0"/>
               </a:rPr>
-              <a:t>Default</a:t>
+              <a:t>V3.2.0</a:t>
             </a:r>
           </a:p>
           <a:p>
             <a:r>
-              <a:rPr lang="en-US" sz="900" dirty="0">
+              <a:rPr lang="en-US" sz="1050" dirty="0">
                 <a:latin typeface="Helvetica" pitchFamily="2" charset="0"/>
               </a:rPr>
-              <a:t>MAE</a:t>
+              <a:t>E</a:t>
+            </a:r>
+            <a:r>
+              <a:rPr lang="en-US" sz="1050" baseline="-25000" dirty="0">
+                <a:latin typeface="Helvetica" pitchFamily="2" charset="0"/>
+              </a:rPr>
+              <a:t>1</a:t>
             </a:r>
           </a:p>
           <a:p>
             <a:r>
-              <a:rPr lang="en-US" sz="900" dirty="0">
+              <a:rPr lang="en-US" sz="1050" dirty="0">
                 <a:latin typeface="Helvetica" pitchFamily="2" charset="0"/>
               </a:rPr>
-              <a:t>MSE</a:t>
+              <a:t>E</a:t>
+            </a:r>
+            <a:r>
+              <a:rPr lang="en-US" sz="1050" baseline="-25000" dirty="0">
+                <a:latin typeface="Helvetica" pitchFamily="2" charset="0"/>
+              </a:rPr>
+              <a:t>2</a:t>
             </a:r>
           </a:p>
           <a:p>
             <a:r>
-              <a:rPr lang="en-US" sz="900" dirty="0">
+              <a:rPr lang="en-US" sz="1050" dirty="0">
                 <a:latin typeface="Helvetica" pitchFamily="2" charset="0"/>
               </a:rPr>
-              <a:t>MVSSE</a:t>
+              <a:t>E</a:t>
             </a:r>
-          </a:p>
-          <a:p>
             <a:r>
-              <a:rPr lang="en-US" sz="900" dirty="0">
+              <a:rPr lang="en-US" sz="1050" baseline="-25000" dirty="0">
                 <a:latin typeface="Helvetica" pitchFamily="2" charset="0"/>
               </a:rPr>
-              <a:t>NMAE w/ </a:t>
+              <a:t>3, </a:t>
             </a:r>
             <a:r>
-              <a:rPr lang="en-US" sz="900" dirty="0" err="1">
+              <a:rPr lang="en-US" sz="1050" baseline="-25000" dirty="0" err="1">
                 <a:latin typeface="Helvetica" pitchFamily="2" charset="0"/>
               </a:rPr>
               <a:t>unc</a:t>
             </a:r>
-            <a:endParaRPr lang="en-US" sz="900" dirty="0">
+            <a:endParaRPr lang="en-US" sz="1050" baseline="-25000" dirty="0">
               <a:latin typeface="Helvetica" pitchFamily="2" charset="0"/>
             </a:endParaRPr>
           </a:p>
           <a:p>
             <a:r>
-              <a:rPr lang="en-US" sz="900" dirty="0">
+              <a:rPr lang="en-US" sz="1050" dirty="0">
                 <a:latin typeface="Helvetica" pitchFamily="2" charset="0"/>
               </a:rPr>
-              <a:t>NMSE w/ </a:t>
+              <a:t>E</a:t>
             </a:r>
             <a:r>
-              <a:rPr lang="en-US" sz="900" dirty="0" err="1">
+              <a:rPr lang="en-US" sz="1050" baseline="-25000" dirty="0">
+                <a:latin typeface="Helvetica" pitchFamily="2" charset="0"/>
+              </a:rPr>
+              <a:t>4, </a:t>
+            </a:r>
+            <a:r>
+              <a:rPr lang="en-US" sz="1050" baseline="-25000" dirty="0" err="1">
                 <a:latin typeface="Helvetica" pitchFamily="2" charset="0"/>
               </a:rPr>
               <a:t>unc</a:t>
             </a:r>
-            <a:endParaRPr lang="en-US" sz="900" dirty="0">
+            <a:endParaRPr lang="en-US" sz="1050" baseline="-25000" dirty="0">
               <a:latin typeface="Helvetica" pitchFamily="2" charset="0"/>
             </a:endParaRPr>
           </a:p>
+          <a:p>
+            <a:r>
+              <a:rPr lang="en-US" sz="1050" dirty="0">
+                <a:latin typeface="Helvetica" pitchFamily="2" charset="0"/>
+              </a:rPr>
+              <a:t>E</a:t>
+            </a:r>
+            <a:r>
+              <a:rPr lang="en-US" sz="1050" baseline="-25000" dirty="0">
+                <a:latin typeface="Helvetica" pitchFamily="2" charset="0"/>
+              </a:rPr>
+              <a:t>5</a:t>
+            </a:r>
+          </a:p>
         </p:txBody>
       </p:sp>
+      <p:pic>
+        <p:nvPicPr>
+          <p:cNvPr id="10" name="Picture 9" descr="A black background with a white square with different colored lines&#10;&#10;AI-generated content may be incorrect.">
+            <a:extLst>
+              <a:ext uri="{FF2B5EF4-FFF2-40B4-BE49-F238E27FC236}">
+                <a16:creationId xmlns:a16="http://schemas.microsoft.com/office/drawing/2014/main" id="{F9507F6A-09D1-E9A3-29C2-BF886E6C19DE}"/>
+              </a:ext>
+            </a:extLst>
+          </p:cNvPr>
+          <p:cNvPicPr>
+            <a:picLocks noChangeAspect="1"/>
+          </p:cNvPicPr>
+          <p:nvPr/>
+        </p:nvPicPr>
+        <p:blipFill>
+          <a:blip r:embed="rId5"/>
+          <a:srcRect l="43147" t="42428" r="53368" b="39555"/>
+          <a:stretch>
+            <a:fillRect/>
+          </a:stretch>
+        </p:blipFill>
+        <p:spPr>
+          <a:xfrm>
+            <a:off x="7567555" y="2505486"/>
+            <a:ext cx="268857" cy="926660"/>
+          </a:xfrm>
+          <a:prstGeom prst="rect">
+            <a:avLst/>
+          </a:prstGeom>
+        </p:spPr>
+      </p:pic>
     </p:spTree>
   </p:cSld>
   <p:clrMapOvr>
@@ -6247,10 +6253,10 @@
       </p:grpSpPr>
       <p:pic>
         <p:nvPicPr>
-          <p:cNvPr id="4" name="Picture 3" descr="A graph of different colored lines&#10;&#10;AI-generated content may be incorrect.">
+          <p:cNvPr id="10" name="Picture 9" descr="A graph of different colored lines&#10;&#10;AI-generated content may be incorrect.">
             <a:extLst>
               <a:ext uri="{FF2B5EF4-FFF2-40B4-BE49-F238E27FC236}">
-                <a16:creationId xmlns:a16="http://schemas.microsoft.com/office/drawing/2014/main" id="{9CC6D2D7-B432-9392-A517-5D1910659E7E}"/>
+                <a16:creationId xmlns:a16="http://schemas.microsoft.com/office/drawing/2014/main" id="{F182FBA0-E734-73C6-E2AF-37B2BF3D88DA}"/>
               </a:ext>
             </a:extLst>
           </p:cNvPr>
@@ -6267,7 +6273,7 @@
         </p:blipFill>
         <p:spPr>
           <a:xfrm>
-            <a:off x="63610" y="269848"/>
+            <a:off x="63610" y="269847"/>
             <a:ext cx="8874650" cy="4437325"/>
           </a:xfrm>
           <a:prstGeom prst="rect">
@@ -6275,78 +6281,12 @@
           </a:prstGeom>
         </p:spPr>
       </p:pic>
-      <p:pic>
-        <p:nvPicPr>
-          <p:cNvPr id="5" name="Google Shape;57;p13" title="legend.png">
+      <p:sp>
+        <p:nvSpPr>
+          <p:cNvPr id="2" name="TextBox 1">
             <a:extLst>
               <a:ext uri="{FF2B5EF4-FFF2-40B4-BE49-F238E27FC236}">
-                <a16:creationId xmlns:a16="http://schemas.microsoft.com/office/drawing/2014/main" id="{7112609E-7BA7-A792-3E30-32A594495847}"/>
-              </a:ext>
-            </a:extLst>
-          </p:cNvPr>
-          <p:cNvPicPr preferRelativeResize="0"/>
-          <p:nvPr/>
-        </p:nvPicPr>
-        <p:blipFill rotWithShape="1">
-          <a:blip r:embed="rId3">
-            <a:alphaModFix/>
-          </a:blip>
-          <a:srcRect l="49723" t="39245" r="41259" b="42229"/>
-          <a:stretch/>
-        </p:blipFill>
-        <p:spPr>
-          <a:xfrm>
-            <a:off x="785204" y="687289"/>
-            <a:ext cx="695926" cy="952801"/>
-          </a:xfrm>
-          <a:prstGeom prst="rect">
-            <a:avLst/>
-          </a:prstGeom>
-          <a:noFill/>
-          <a:ln>
-            <a:noFill/>
-          </a:ln>
-        </p:spPr>
-      </p:pic>
-      <p:pic>
-        <p:nvPicPr>
-          <p:cNvPr id="6" name="Google Shape;58;p13" title="legend.png">
-            <a:extLst>
-              <a:ext uri="{FF2B5EF4-FFF2-40B4-BE49-F238E27FC236}">
-                <a16:creationId xmlns:a16="http://schemas.microsoft.com/office/drawing/2014/main" id="{11288C14-1A9B-2281-F672-6172902FCDC6}"/>
-              </a:ext>
-            </a:extLst>
-          </p:cNvPr>
-          <p:cNvPicPr preferRelativeResize="0"/>
-          <p:nvPr/>
-        </p:nvPicPr>
-        <p:blipFill rotWithShape="1">
-          <a:blip r:embed="rId3">
-            <a:alphaModFix/>
-          </a:blip>
-          <a:srcRect l="41550" t="39245" r="55339" b="42229"/>
-          <a:stretch/>
-        </p:blipFill>
-        <p:spPr>
-          <a:xfrm>
-            <a:off x="564524" y="687289"/>
-            <a:ext cx="220679" cy="876193"/>
-          </a:xfrm>
-          <a:prstGeom prst="rect">
-            <a:avLst/>
-          </a:prstGeom>
-          <a:noFill/>
-          <a:ln>
-            <a:noFill/>
-          </a:ln>
-        </p:spPr>
-      </p:pic>
-      <p:sp>
-        <p:nvSpPr>
-          <p:cNvPr id="8" name="TextBox 7">
-            <a:extLst>
-              <a:ext uri="{FF2B5EF4-FFF2-40B4-BE49-F238E27FC236}">
-                <a16:creationId xmlns:a16="http://schemas.microsoft.com/office/drawing/2014/main" id="{9130F7F3-30EF-E68E-8ABA-14F059ECEB7E}"/>
+                <a16:creationId xmlns:a16="http://schemas.microsoft.com/office/drawing/2014/main" id="{8ACC52D9-E43F-5B95-F929-F2699A223DB4}"/>
               </a:ext>
             </a:extLst>
           </p:cNvPr>
@@ -6355,8 +6295,8 @@
         </p:nvSpPr>
         <p:spPr>
           <a:xfrm>
-            <a:off x="700623" y="687289"/>
-            <a:ext cx="883575" cy="923330"/>
+            <a:off x="730135" y="687289"/>
+            <a:ext cx="574196" cy="1061829"/>
           </a:xfrm>
           <a:prstGeom prst="rect">
             <a:avLst/>
@@ -6372,72 +6312,133 @@
           <a:lstStyle/>
           <a:p>
             <a:r>
-              <a:rPr lang="en-US" sz="900" dirty="0">
+              <a:rPr lang="en-US" sz="1050" dirty="0">
                 <a:latin typeface="Helvetica" pitchFamily="2" charset="0"/>
               </a:rPr>
-              <a:t>Default</a:t>
+              <a:t>V3.2.0</a:t>
             </a:r>
           </a:p>
           <a:p>
             <a:r>
-              <a:rPr lang="en-US" sz="900" dirty="0">
+              <a:rPr lang="en-US" sz="1050" dirty="0">
                 <a:latin typeface="Helvetica" pitchFamily="2" charset="0"/>
               </a:rPr>
-              <a:t>MAE</a:t>
+              <a:t>E</a:t>
+            </a:r>
+            <a:r>
+              <a:rPr lang="en-US" sz="1050" baseline="-25000" dirty="0">
+                <a:latin typeface="Helvetica" pitchFamily="2" charset="0"/>
+              </a:rPr>
+              <a:t>1</a:t>
             </a:r>
           </a:p>
           <a:p>
             <a:r>
-              <a:rPr lang="en-US" sz="900" dirty="0">
+              <a:rPr lang="en-US" sz="1050" dirty="0">
                 <a:latin typeface="Helvetica" pitchFamily="2" charset="0"/>
               </a:rPr>
-              <a:t>MSE</a:t>
+              <a:t>E</a:t>
+            </a:r>
+            <a:r>
+              <a:rPr lang="en-US" sz="1050" baseline="-25000" dirty="0">
+                <a:latin typeface="Helvetica" pitchFamily="2" charset="0"/>
+              </a:rPr>
+              <a:t>2</a:t>
             </a:r>
           </a:p>
           <a:p>
             <a:r>
-              <a:rPr lang="en-US" sz="900" dirty="0">
+              <a:rPr lang="en-US" sz="1050" dirty="0">
                 <a:latin typeface="Helvetica" pitchFamily="2" charset="0"/>
               </a:rPr>
-              <a:t>MVSSE</a:t>
+              <a:t>E</a:t>
             </a:r>
-          </a:p>
-          <a:p>
             <a:r>
-              <a:rPr lang="en-US" sz="900" dirty="0">
+              <a:rPr lang="en-US" sz="1050" baseline="-25000" dirty="0">
                 <a:latin typeface="Helvetica" pitchFamily="2" charset="0"/>
               </a:rPr>
-              <a:t>NMAE w/ </a:t>
+              <a:t>3, </a:t>
             </a:r>
             <a:r>
-              <a:rPr lang="en-US" sz="900" dirty="0" err="1">
+              <a:rPr lang="en-US" sz="1050" baseline="-25000" dirty="0" err="1">
                 <a:latin typeface="Helvetica" pitchFamily="2" charset="0"/>
               </a:rPr>
               <a:t>unc</a:t>
             </a:r>
-            <a:endParaRPr lang="en-US" sz="900" dirty="0">
+            <a:endParaRPr lang="en-US" sz="1050" baseline="-25000" dirty="0">
               <a:latin typeface="Helvetica" pitchFamily="2" charset="0"/>
             </a:endParaRPr>
           </a:p>
           <a:p>
             <a:r>
-              <a:rPr lang="en-US" sz="900" dirty="0">
+              <a:rPr lang="en-US" sz="1050" dirty="0">
                 <a:latin typeface="Helvetica" pitchFamily="2" charset="0"/>
               </a:rPr>
-              <a:t>NMSE w/ </a:t>
+              <a:t>E</a:t>
             </a:r>
             <a:r>
-              <a:rPr lang="en-US" sz="900" dirty="0" err="1">
+              <a:rPr lang="en-US" sz="1050" baseline="-25000" dirty="0">
+                <a:latin typeface="Helvetica" pitchFamily="2" charset="0"/>
+              </a:rPr>
+              <a:t>4, </a:t>
+            </a:r>
+            <a:r>
+              <a:rPr lang="en-US" sz="1050" baseline="-25000" dirty="0" err="1">
                 <a:latin typeface="Helvetica" pitchFamily="2" charset="0"/>
               </a:rPr>
               <a:t>unc</a:t>
             </a:r>
-            <a:endParaRPr lang="en-US" sz="900" dirty="0">
+            <a:endParaRPr lang="en-US" sz="1050" baseline="-25000" dirty="0">
               <a:latin typeface="Helvetica" pitchFamily="2" charset="0"/>
             </a:endParaRPr>
           </a:p>
+          <a:p>
+            <a:r>
+              <a:rPr lang="en-US" sz="1050" dirty="0">
+                <a:latin typeface="Helvetica" pitchFamily="2" charset="0"/>
+              </a:rPr>
+              <a:t>E</a:t>
+            </a:r>
+            <a:r>
+              <a:rPr lang="en-US" sz="1050" baseline="-25000" dirty="0">
+                <a:latin typeface="Helvetica" pitchFamily="2" charset="0"/>
+              </a:rPr>
+              <a:t>5</a:t>
+            </a:r>
+          </a:p>
         </p:txBody>
       </p:sp>
+      <p:pic>
+        <p:nvPicPr>
+          <p:cNvPr id="3" name="Picture 2" descr="A black background with a white square with different colored lines&#10;&#10;AI-generated content may be incorrect.">
+            <a:extLst>
+              <a:ext uri="{FF2B5EF4-FFF2-40B4-BE49-F238E27FC236}">
+                <a16:creationId xmlns:a16="http://schemas.microsoft.com/office/drawing/2014/main" id="{6A2E3057-B524-3D9A-E034-D61A7EEE10D8}"/>
+              </a:ext>
+            </a:extLst>
+          </p:cNvPr>
+          <p:cNvPicPr>
+            <a:picLocks noChangeAspect="1"/>
+          </p:cNvPicPr>
+          <p:nvPr/>
+        </p:nvPicPr>
+        <p:blipFill>
+          <a:blip r:embed="rId3"/>
+          <a:srcRect l="43147" t="42428" r="53368" b="39555"/>
+          <a:stretch>
+            <a:fillRect/>
+          </a:stretch>
+        </p:blipFill>
+        <p:spPr>
+          <a:xfrm>
+            <a:off x="540258" y="754873"/>
+            <a:ext cx="268857" cy="926660"/>
+          </a:xfrm>
+          <a:prstGeom prst="rect">
+            <a:avLst/>
+          </a:prstGeom>
+        </p:spPr>
+      </p:pic>
     </p:spTree>
     <p:extLst>
       <p:ext uri="{BB962C8B-B14F-4D97-AF65-F5344CB8AC3E}">
